--- a/Presentations/WhatsUrSay_Deliverable 1.pptx
+++ b/Presentations/WhatsUrSay_Deliverable 1.pptx
@@ -9415,7 +9415,15 @@
           <a:p>
             <a:r>
               <a:rPr lang="en-US" dirty="0"/>
-              <a:t>Public/Private polls/surveys. Polls/Surveys can be public i.e. open to all for participation or private polls/surveys open for a specific group or users.</a:t>
+              <a:t>Public/Private polls/surveys. Polls/Surveys can be public i.e. open to all for participation or private polls/surveys open for a specific </a:t>
+            </a:r>
+            <a:r>
+              <a:rPr lang="en-US"/>
+              <a:t>group of </a:t>
+            </a:r>
+            <a:r>
+              <a:rPr lang="en-US" dirty="0"/>
+              <a:t>users.</a:t>
             </a:r>
           </a:p>
           <a:p>
@@ -9449,15 +9457,7 @@
             </a:r>
             <a:r>
               <a:rPr lang="en-US" dirty="0"/>
-              <a:t> would provide an easy and user friendly way to create, participate and </a:t>
-            </a:r>
-            <a:r>
-              <a:rPr lang="en-US"/>
-              <a:t>result publishing of </a:t>
-            </a:r>
-            <a:r>
-              <a:rPr lang="en-US" dirty="0"/>
-              <a:t>polls/surveys.</a:t>
+              <a:t> would provide an easy and user friendly way to create, participate and result publishing of polls/surveys.</a:t>
             </a:r>
           </a:p>
           <a:p>
@@ -10102,7 +10102,7 @@
         </p:nvGraphicFramePr>
         <p:xfrm>
           <a:off x="2382592" y="1591833"/>
-          <a:ext cx="8152325" cy="4624121"/>
+          <a:ext cx="8152325" cy="4661458"/>
         </p:xfrm>
         <a:graphic>
           <a:graphicData uri="http://schemas.openxmlformats.org/drawingml/2006/table">
